--- a/Labs/CS418-Lab1-2020.pptx
+++ b/Labs/CS418-Lab1-2020.pptx
@@ -10037,10 +10037,10 @@
       </p:sp>
       <p:pic>
         <p:nvPicPr>
-          <p:cNvPr id="8" name="Picture 7">
+          <p:cNvPr id="3" name="Picture 2">
             <a:extLst>
               <a:ext uri="{FF2B5EF4-FFF2-40B4-BE49-F238E27FC236}">
-                <a16:creationId xmlns:a16="http://schemas.microsoft.com/office/drawing/2014/main" id="{51608119-99E7-45D3-8B1D-E5DF14B81568}"/>
+                <a16:creationId xmlns:a16="http://schemas.microsoft.com/office/drawing/2014/main" id="{E463176E-0F0C-4AEC-AE73-1418D1723675}"/>
               </a:ext>
             </a:extLst>
           </p:cNvPr>
@@ -10057,17 +10057,12 @@
         </p:blipFill>
         <p:spPr>
           <a:xfrm>
-            <a:off x="1250358" y="2580290"/>
-            <a:ext cx="10103442" cy="3994626"/>
+            <a:off x="1433961" y="2563235"/>
+            <a:ext cx="8510751" cy="3929638"/>
           </a:xfrm>
           <a:prstGeom prst="rect">
             <a:avLst/>
           </a:prstGeom>
-          <a:ln>
-            <a:solidFill>
-              <a:schemeClr val="accent2"/>
-            </a:solidFill>
-          </a:ln>
         </p:spPr>
       </p:pic>
     </p:spTree>
